--- a/docs/Telegram-бот.pptx
+++ b/docs/Telegram-бот.pptx
@@ -7,10 +7,11 @@
   <p:sldIdLst>
     <p:sldId id="256" r:id="rId2"/>
     <p:sldId id="257" r:id="rId3"/>
-    <p:sldId id="258" r:id="rId4"/>
-    <p:sldId id="259" r:id="rId5"/>
-    <p:sldId id="260" r:id="rId6"/>
-    <p:sldId id="261" r:id="rId7"/>
+    <p:sldId id="262" r:id="rId4"/>
+    <p:sldId id="258" r:id="rId5"/>
+    <p:sldId id="259" r:id="rId6"/>
+    <p:sldId id="260" r:id="rId7"/>
+    <p:sldId id="261" r:id="rId8"/>
   </p:sldIdLst>
   <p:sldSz cx="12192000" cy="6858000"/>
   <p:notesSz cx="6858000" cy="9144000"/>
@@ -303,7 +304,7 @@
           <a:p>
             <a:fld id="{F5FF8BF5-8403-4284-891E-7DAC91F827F2}" type="datetimeFigureOut">
               <a:rPr lang="ru-RU" smtClean="0"/>
-              <a:t>13.04.2023</a:t>
+              <a:t>24.04.2023</a:t>
             </a:fld>
             <a:endParaRPr lang="ru-RU"/>
           </a:p>
@@ -578,7 +579,7 @@
           <a:p>
             <a:fld id="{F5FF8BF5-8403-4284-891E-7DAC91F827F2}" type="datetimeFigureOut">
               <a:rPr lang="ru-RU" smtClean="0"/>
-              <a:t>13.04.2023</a:t>
+              <a:t>24.04.2023</a:t>
             </a:fld>
             <a:endParaRPr lang="ru-RU"/>
           </a:p>
@@ -772,7 +773,7 @@
           <a:p>
             <a:fld id="{F5FF8BF5-8403-4284-891E-7DAC91F827F2}" type="datetimeFigureOut">
               <a:rPr lang="ru-RU" smtClean="0"/>
-              <a:t>13.04.2023</a:t>
+              <a:t>24.04.2023</a:t>
             </a:fld>
             <a:endParaRPr lang="ru-RU"/>
           </a:p>
@@ -1045,7 +1046,7 @@
           <a:p>
             <a:fld id="{F5FF8BF5-8403-4284-891E-7DAC91F827F2}" type="datetimeFigureOut">
               <a:rPr lang="ru-RU" smtClean="0"/>
-              <a:t>13.04.2023</a:t>
+              <a:t>24.04.2023</a:t>
             </a:fld>
             <a:endParaRPr lang="ru-RU"/>
           </a:p>
@@ -1386,7 +1387,7 @@
           <a:p>
             <a:fld id="{F5FF8BF5-8403-4284-891E-7DAC91F827F2}" type="datetimeFigureOut">
               <a:rPr lang="ru-RU" smtClean="0"/>
-              <a:t>13.04.2023</a:t>
+              <a:t>24.04.2023</a:t>
             </a:fld>
             <a:endParaRPr lang="ru-RU"/>
           </a:p>
@@ -2009,7 +2010,7 @@
           <a:p>
             <a:fld id="{F5FF8BF5-8403-4284-891E-7DAC91F827F2}" type="datetimeFigureOut">
               <a:rPr lang="ru-RU" smtClean="0"/>
-              <a:t>13.04.2023</a:t>
+              <a:t>24.04.2023</a:t>
             </a:fld>
             <a:endParaRPr lang="ru-RU"/>
           </a:p>
@@ -2869,7 +2870,7 @@
           <a:p>
             <a:fld id="{F5FF8BF5-8403-4284-891E-7DAC91F827F2}" type="datetimeFigureOut">
               <a:rPr lang="ru-RU" smtClean="0"/>
-              <a:t>13.04.2023</a:t>
+              <a:t>24.04.2023</a:t>
             </a:fld>
             <a:endParaRPr lang="ru-RU"/>
           </a:p>
@@ -3039,7 +3040,7 @@
           <a:p>
             <a:fld id="{F5FF8BF5-8403-4284-891E-7DAC91F827F2}" type="datetimeFigureOut">
               <a:rPr lang="ru-RU" smtClean="0"/>
-              <a:t>13.04.2023</a:t>
+              <a:t>24.04.2023</a:t>
             </a:fld>
             <a:endParaRPr lang="ru-RU"/>
           </a:p>
@@ -3219,7 +3220,7 @@
           <a:p>
             <a:fld id="{F5FF8BF5-8403-4284-891E-7DAC91F827F2}" type="datetimeFigureOut">
               <a:rPr lang="ru-RU" smtClean="0"/>
-              <a:t>13.04.2023</a:t>
+              <a:t>24.04.2023</a:t>
             </a:fld>
             <a:endParaRPr lang="ru-RU"/>
           </a:p>
@@ -3389,7 +3390,7 @@
           <a:p>
             <a:fld id="{F5FF8BF5-8403-4284-891E-7DAC91F827F2}" type="datetimeFigureOut">
               <a:rPr lang="ru-RU" smtClean="0"/>
-              <a:t>13.04.2023</a:t>
+              <a:t>24.04.2023</a:t>
             </a:fld>
             <a:endParaRPr lang="ru-RU"/>
           </a:p>
@@ -3636,7 +3637,7 @@
           <a:p>
             <a:fld id="{F5FF8BF5-8403-4284-891E-7DAC91F827F2}" type="datetimeFigureOut">
               <a:rPr lang="ru-RU" smtClean="0"/>
-              <a:t>13.04.2023</a:t>
+              <a:t>24.04.2023</a:t>
             </a:fld>
             <a:endParaRPr lang="ru-RU"/>
           </a:p>
@@ -3928,7 +3929,7 @@
           <a:p>
             <a:fld id="{F5FF8BF5-8403-4284-891E-7DAC91F827F2}" type="datetimeFigureOut">
               <a:rPr lang="ru-RU" smtClean="0"/>
-              <a:t>13.04.2023</a:t>
+              <a:t>24.04.2023</a:t>
             </a:fld>
             <a:endParaRPr lang="ru-RU"/>
           </a:p>
@@ -4372,7 +4373,7 @@
           <a:p>
             <a:fld id="{F5FF8BF5-8403-4284-891E-7DAC91F827F2}" type="datetimeFigureOut">
               <a:rPr lang="ru-RU" smtClean="0"/>
-              <a:t>13.04.2023</a:t>
+              <a:t>24.04.2023</a:t>
             </a:fld>
             <a:endParaRPr lang="ru-RU"/>
           </a:p>
@@ -4490,7 +4491,7 @@
           <a:p>
             <a:fld id="{F5FF8BF5-8403-4284-891E-7DAC91F827F2}" type="datetimeFigureOut">
               <a:rPr lang="ru-RU" smtClean="0"/>
-              <a:t>13.04.2023</a:t>
+              <a:t>24.04.2023</a:t>
             </a:fld>
             <a:endParaRPr lang="ru-RU"/>
           </a:p>
@@ -4585,7 +4586,7 @@
           <a:p>
             <a:fld id="{F5FF8BF5-8403-4284-891E-7DAC91F827F2}" type="datetimeFigureOut">
               <a:rPr lang="ru-RU" smtClean="0"/>
-              <a:t>13.04.2023</a:t>
+              <a:t>24.04.2023</a:t>
             </a:fld>
             <a:endParaRPr lang="ru-RU"/>
           </a:p>
@@ -4864,7 +4865,7 @@
           <a:p>
             <a:fld id="{F5FF8BF5-8403-4284-891E-7DAC91F827F2}" type="datetimeFigureOut">
               <a:rPr lang="ru-RU" smtClean="0"/>
-              <a:t>13.04.2023</a:t>
+              <a:t>24.04.2023</a:t>
             </a:fld>
             <a:endParaRPr lang="ru-RU"/>
           </a:p>
@@ -5139,7 +5140,7 @@
           <a:p>
             <a:fld id="{F5FF8BF5-8403-4284-891E-7DAC91F827F2}" type="datetimeFigureOut">
               <a:rPr lang="ru-RU" smtClean="0"/>
-              <a:t>13.04.2023</a:t>
+              <a:t>24.04.2023</a:t>
             </a:fld>
             <a:endParaRPr lang="ru-RU"/>
           </a:p>
@@ -5568,7 +5569,7 @@
           <a:p>
             <a:fld id="{F5FF8BF5-8403-4284-891E-7DAC91F827F2}" type="datetimeFigureOut">
               <a:rPr lang="ru-RU" smtClean="0"/>
-              <a:t>13.04.2023</a:t>
+              <a:t>24.04.2023</a:t>
             </a:fld>
             <a:endParaRPr lang="ru-RU"/>
           </a:p>
@@ -6388,144 +6389,10 @@
       </p:grpSpPr>
       <p:sp>
         <p:nvSpPr>
-          <p:cNvPr id="2" name="Заголовок 1">
+          <p:cNvPr id="4" name="TextBox 3">
             <a:extLst>
               <a:ext uri="{FF2B5EF4-FFF2-40B4-BE49-F238E27FC236}">
-                <a16:creationId xmlns:a16="http://schemas.microsoft.com/office/drawing/2014/main" id="{4267CBAD-DE84-4A4A-BA7C-BA8A16D49670}"/>
-              </a:ext>
-            </a:extLst>
-          </p:cNvPr>
-          <p:cNvSpPr>
-            <a:spLocks noGrp="1"/>
-          </p:cNvSpPr>
-          <p:nvPr>
-            <p:ph type="title"/>
-          </p:nvPr>
-        </p:nvSpPr>
-        <p:spPr/>
-        <p:txBody>
-          <a:bodyPr/>
-          <a:lstStyle/>
-          <a:p>
-            <a:pPr algn="ctr"/>
-            <a:r>
-              <a:rPr lang="ru-RU" dirty="0">
-                <a:solidFill>
-                  <a:srgbClr val="E7AD58"/>
-                </a:solidFill>
-              </a:rPr>
-              <a:t>Корректирование времени</a:t>
-            </a:r>
-          </a:p>
-        </p:txBody>
-      </p:sp>
-      <p:sp>
-        <p:nvSpPr>
-          <p:cNvPr id="3" name="Объект 2">
-            <a:extLst>
-              <a:ext uri="{FF2B5EF4-FFF2-40B4-BE49-F238E27FC236}">
-                <a16:creationId xmlns:a16="http://schemas.microsoft.com/office/drawing/2014/main" id="{81084A8E-4591-4823-8476-9D2A5AA4AFE8}"/>
-              </a:ext>
-            </a:extLst>
-          </p:cNvPr>
-          <p:cNvSpPr>
-            <a:spLocks noGrp="1"/>
-          </p:cNvSpPr>
-          <p:nvPr>
-            <p:ph idx="1"/>
-          </p:nvPr>
-        </p:nvSpPr>
-        <p:spPr/>
-        <p:txBody>
-          <a:bodyPr/>
-          <a:lstStyle/>
-          <a:p>
-            <a:r>
-              <a:rPr lang="ru-RU" dirty="0"/>
-              <a:t>Если пользователь решил</a:t>
-            </a:r>
-            <a:r>
-              <a:rPr lang="en-US" dirty="0"/>
-              <a:t>, </a:t>
-            </a:r>
-            <a:r>
-              <a:rPr lang="ru-RU" dirty="0"/>
-              <a:t>что он получать сообщения от бота (новые слова на английском языке)</a:t>
-            </a:r>
-            <a:r>
-              <a:rPr lang="en-US" dirty="0"/>
-              <a:t>, </a:t>
-            </a:r>
-            <a:r>
-              <a:rPr lang="ru-RU" dirty="0"/>
-              <a:t>то он может изменить это время благодаря широкому выбору</a:t>
-            </a:r>
-            <a:r>
-              <a:rPr lang="en-US" dirty="0"/>
-              <a:t>, </a:t>
-            </a:r>
-            <a:r>
-              <a:rPr lang="ru-RU" dirty="0"/>
-              <a:t>представленному ему ботом</a:t>
-            </a:r>
-            <a:r>
-              <a:rPr lang="en-US" dirty="0"/>
-              <a:t>.</a:t>
-            </a:r>
-          </a:p>
-          <a:p>
-            <a:pPr marL="0" indent="0">
-              <a:buNone/>
-            </a:pPr>
-            <a:r>
-              <a:rPr lang="ru-RU" dirty="0"/>
-              <a:t>	</a:t>
-            </a:r>
-          </a:p>
-        </p:txBody>
-      </p:sp>
-      <p:pic>
-        <p:nvPicPr>
-          <p:cNvPr id="11" name="Рисунок 10">
-            <a:extLst>
-              <a:ext uri="{FF2B5EF4-FFF2-40B4-BE49-F238E27FC236}">
-                <a16:creationId xmlns:a16="http://schemas.microsoft.com/office/drawing/2014/main" id="{3D5FD192-3225-4DA9-BAD8-4F4E4AA9769A}"/>
-              </a:ext>
-            </a:extLst>
-          </p:cNvPr>
-          <p:cNvPicPr>
-            <a:picLocks noChangeAspect="1"/>
-          </p:cNvPicPr>
-          <p:nvPr/>
-        </p:nvPicPr>
-        <p:blipFill rotWithShape="1">
-          <a:blip r:embed="rId2"/>
-          <a:srcRect b="2597"/>
-          <a:stretch/>
-        </p:blipFill>
-        <p:spPr>
-          <a:xfrm>
-            <a:off x="1723181" y="3189847"/>
-            <a:ext cx="7706801" cy="2514600"/>
-          </a:xfrm>
-          <a:prstGeom prst="rect">
-            <a:avLst/>
-          </a:prstGeom>
-          <a:effectLst>
-            <a:outerShdw blurRad="50800" dist="38100" dir="2700000" algn="tl" rotWithShape="0">
-              <a:prstClr val="black">
-                <a:alpha val="40000"/>
-              </a:prstClr>
-            </a:outerShdw>
-          </a:effectLst>
-        </p:spPr>
-      </p:pic>
-      <p:sp>
-        <p:nvSpPr>
-          <p:cNvPr id="12" name="TextBox 11">
-            <a:extLst>
-              <a:ext uri="{FF2B5EF4-FFF2-40B4-BE49-F238E27FC236}">
-                <a16:creationId xmlns:a16="http://schemas.microsoft.com/office/drawing/2014/main" id="{3B7F648D-74B8-4527-81F6-96895793535F}"/>
+                <a16:creationId xmlns:a16="http://schemas.microsoft.com/office/drawing/2014/main" id="{EC641598-E74F-44CA-B851-B023F1F1465F}"/>
               </a:ext>
             </a:extLst>
           </p:cNvPr>
@@ -6534,13 +6401,18 @@
         </p:nvSpPr>
         <p:spPr>
           <a:xfrm>
-            <a:off x="1495071" y="5704447"/>
-            <a:ext cx="7706801" cy="646331"/>
+            <a:off x="5376862" y="485775"/>
+            <a:ext cx="1438275" cy="369332"/>
           </a:xfrm>
           <a:prstGeom prst="rect">
             <a:avLst/>
           </a:prstGeom>
           <a:noFill/>
+          <a:ln w="28575">
+            <a:solidFill>
+              <a:srgbClr val="FFC000"/>
+            </a:solidFill>
+          </a:ln>
         </p:spPr>
         <p:txBody>
           <a:bodyPr wrap="square" rtlCol="0">
@@ -6550,19 +6422,824 @@
           <a:p>
             <a:pPr algn="ctr"/>
             <a:r>
-              <a:rPr lang="ru-RU" dirty="0">
+              <a:rPr lang="en-US" dirty="0"/>
+              <a:t>/start</a:t>
+            </a:r>
+            <a:endParaRPr lang="ru-RU" dirty="0"/>
+          </a:p>
+        </p:txBody>
+      </p:sp>
+      <p:sp>
+        <p:nvSpPr>
+          <p:cNvPr id="7" name="TextBox 6">
+            <a:extLst>
+              <a:ext uri="{FF2B5EF4-FFF2-40B4-BE49-F238E27FC236}">
+                <a16:creationId xmlns:a16="http://schemas.microsoft.com/office/drawing/2014/main" id="{3DF19546-AD8B-46A5-BA6A-D673546F95C7}"/>
+              </a:ext>
+            </a:extLst>
+          </p:cNvPr>
+          <p:cNvSpPr txBox="1"/>
+          <p:nvPr/>
+        </p:nvSpPr>
+        <p:spPr>
+          <a:xfrm>
+            <a:off x="7922279" y="2730500"/>
+            <a:ext cx="4012645" cy="369332"/>
+          </a:xfrm>
+          <a:prstGeom prst="rect">
+            <a:avLst/>
+          </a:prstGeom>
+          <a:noFill/>
+          <a:ln w="28575">
+            <a:solidFill>
+              <a:srgbClr val="FFC000"/>
+            </a:solidFill>
+          </a:ln>
+        </p:spPr>
+        <p:txBody>
+          <a:bodyPr wrap="square" rtlCol="0">
+            <a:spAutoFit/>
+          </a:bodyPr>
+          <a:lstStyle/>
+          <a:p>
+            <a:pPr algn="ctr"/>
+            <a:r>
+              <a:rPr lang="ru-RU" dirty="0"/>
+              <a:t>Выдача слова в указанное время</a:t>
+            </a:r>
+          </a:p>
+        </p:txBody>
+      </p:sp>
+      <p:cxnSp>
+        <p:nvCxnSpPr>
+          <p:cNvPr id="8" name="Прямая соединительная линия 7">
+            <a:extLst>
+              <a:ext uri="{FF2B5EF4-FFF2-40B4-BE49-F238E27FC236}">
+                <a16:creationId xmlns:a16="http://schemas.microsoft.com/office/drawing/2014/main" id="{46D0EC1F-29EE-4DBF-BDF2-65421F9EF4D1}"/>
+              </a:ext>
+            </a:extLst>
+          </p:cNvPr>
+          <p:cNvCxnSpPr>
+            <a:cxnSpLocks/>
+          </p:cNvCxnSpPr>
+          <p:nvPr/>
+        </p:nvCxnSpPr>
+        <p:spPr>
+          <a:xfrm>
+            <a:off x="6095999" y="860346"/>
+            <a:ext cx="0" cy="787479"/>
+          </a:xfrm>
+          <a:prstGeom prst="line">
+            <a:avLst/>
+          </a:prstGeom>
+          <a:ln w="28575">
+            <a:solidFill>
+              <a:srgbClr val="FFC000"/>
+            </a:solidFill>
+          </a:ln>
+        </p:spPr>
+        <p:style>
+          <a:lnRef idx="1">
+            <a:schemeClr val="accent1"/>
+          </a:lnRef>
+          <a:fillRef idx="0">
+            <a:schemeClr val="accent1"/>
+          </a:fillRef>
+          <a:effectRef idx="0">
+            <a:schemeClr val="accent1"/>
+          </a:effectRef>
+          <a:fontRef idx="minor">
+            <a:schemeClr val="tx1"/>
+          </a:fontRef>
+        </p:style>
+      </p:cxnSp>
+      <p:sp>
+        <p:nvSpPr>
+          <p:cNvPr id="11" name="TextBox 10">
+            <a:extLst>
+              <a:ext uri="{FF2B5EF4-FFF2-40B4-BE49-F238E27FC236}">
+                <a16:creationId xmlns:a16="http://schemas.microsoft.com/office/drawing/2014/main" id="{FCAA7436-C006-483F-8CBF-EA8EFBC99B28}"/>
+              </a:ext>
+            </a:extLst>
+          </p:cNvPr>
+          <p:cNvSpPr txBox="1"/>
+          <p:nvPr/>
+        </p:nvSpPr>
+        <p:spPr>
+          <a:xfrm>
+            <a:off x="4733269" y="1647825"/>
+            <a:ext cx="2725461" cy="646331"/>
+          </a:xfrm>
+          <a:prstGeom prst="rect">
+            <a:avLst/>
+          </a:prstGeom>
+          <a:noFill/>
+          <a:ln w="28575">
+            <a:solidFill>
+              <a:srgbClr val="FFC000"/>
+            </a:solidFill>
+          </a:ln>
+        </p:spPr>
+        <p:txBody>
+          <a:bodyPr wrap="square" rtlCol="0">
+            <a:spAutoFit/>
+          </a:bodyPr>
+          <a:lstStyle/>
+          <a:p>
+            <a:pPr algn="ctr"/>
+            <a:r>
+              <a:rPr lang="ru-RU" dirty="0"/>
+              <a:t>Регулировка времени генераций</a:t>
+            </a:r>
+          </a:p>
+        </p:txBody>
+      </p:sp>
+      <p:cxnSp>
+        <p:nvCxnSpPr>
+          <p:cNvPr id="12" name="Прямая соединительная линия 11">
+            <a:extLst>
+              <a:ext uri="{FF2B5EF4-FFF2-40B4-BE49-F238E27FC236}">
+                <a16:creationId xmlns:a16="http://schemas.microsoft.com/office/drawing/2014/main" id="{F08C9E64-2E21-42AA-A9BE-316F692606CA}"/>
+              </a:ext>
+            </a:extLst>
+          </p:cNvPr>
+          <p:cNvCxnSpPr>
+            <a:cxnSpLocks/>
+          </p:cNvCxnSpPr>
+          <p:nvPr/>
+        </p:nvCxnSpPr>
+        <p:spPr>
+          <a:xfrm>
+            <a:off x="6095999" y="2294156"/>
+            <a:ext cx="0" cy="436344"/>
+          </a:xfrm>
+          <a:prstGeom prst="line">
+            <a:avLst/>
+          </a:prstGeom>
+          <a:ln w="28575">
+            <a:solidFill>
+              <a:srgbClr val="FFC000"/>
+            </a:solidFill>
+          </a:ln>
+        </p:spPr>
+        <p:style>
+          <a:lnRef idx="1">
+            <a:schemeClr val="accent1"/>
+          </a:lnRef>
+          <a:fillRef idx="0">
+            <a:schemeClr val="accent1"/>
+          </a:fillRef>
+          <a:effectRef idx="0">
+            <a:schemeClr val="accent1"/>
+          </a:effectRef>
+          <a:fontRef idx="minor">
+            <a:schemeClr val="tx1"/>
+          </a:fontRef>
+        </p:style>
+      </p:cxnSp>
+      <p:sp>
+        <p:nvSpPr>
+          <p:cNvPr id="14" name="TextBox 13">
+            <a:extLst>
+              <a:ext uri="{FF2B5EF4-FFF2-40B4-BE49-F238E27FC236}">
+                <a16:creationId xmlns:a16="http://schemas.microsoft.com/office/drawing/2014/main" id="{C70C7233-EF61-4F6A-99A6-FFDD0A06A009}"/>
+              </a:ext>
+            </a:extLst>
+          </p:cNvPr>
+          <p:cNvSpPr txBox="1"/>
+          <p:nvPr/>
+        </p:nvSpPr>
+        <p:spPr>
+          <a:xfrm>
+            <a:off x="4733269" y="2730500"/>
+            <a:ext cx="2725461" cy="369332"/>
+          </a:xfrm>
+          <a:prstGeom prst="rect">
+            <a:avLst/>
+          </a:prstGeom>
+          <a:noFill/>
+          <a:ln w="28575">
+            <a:solidFill>
+              <a:srgbClr val="FFC000"/>
+            </a:solidFill>
+          </a:ln>
+        </p:spPr>
+        <p:txBody>
+          <a:bodyPr wrap="square" rtlCol="0">
+            <a:spAutoFit/>
+          </a:bodyPr>
+          <a:lstStyle/>
+          <a:p>
+            <a:pPr algn="ctr"/>
+            <a:r>
+              <a:rPr lang="ru-RU" dirty="0"/>
+              <a:t>Выбор времени</a:t>
+            </a:r>
+          </a:p>
+        </p:txBody>
+      </p:sp>
+      <p:cxnSp>
+        <p:nvCxnSpPr>
+          <p:cNvPr id="15" name="Прямая соединительная линия 14">
+            <a:extLst>
+              <a:ext uri="{FF2B5EF4-FFF2-40B4-BE49-F238E27FC236}">
+                <a16:creationId xmlns:a16="http://schemas.microsoft.com/office/drawing/2014/main" id="{C907ACF5-CF93-4868-A08F-702116D1B29B}"/>
+              </a:ext>
+            </a:extLst>
+          </p:cNvPr>
+          <p:cNvCxnSpPr>
+            <a:cxnSpLocks/>
+          </p:cNvCxnSpPr>
+          <p:nvPr/>
+        </p:nvCxnSpPr>
+        <p:spPr>
+          <a:xfrm flipH="1">
+            <a:off x="7458730" y="2915166"/>
+            <a:ext cx="463549" cy="0"/>
+          </a:xfrm>
+          <a:prstGeom prst="line">
+            <a:avLst/>
+          </a:prstGeom>
+          <a:ln w="28575">
+            <a:solidFill>
+              <a:srgbClr val="FFC000"/>
+            </a:solidFill>
+            <a:prstDash val="dash"/>
+          </a:ln>
+        </p:spPr>
+        <p:style>
+          <a:lnRef idx="1">
+            <a:schemeClr val="accent1"/>
+          </a:lnRef>
+          <a:fillRef idx="0">
+            <a:schemeClr val="accent1"/>
+          </a:fillRef>
+          <a:effectRef idx="0">
+            <a:schemeClr val="accent1"/>
+          </a:effectRef>
+          <a:fontRef idx="minor">
+            <a:schemeClr val="tx1"/>
+          </a:fontRef>
+        </p:style>
+      </p:cxnSp>
+      <p:cxnSp>
+        <p:nvCxnSpPr>
+          <p:cNvPr id="17" name="Прямая соединительная линия 16">
+            <a:extLst>
+              <a:ext uri="{FF2B5EF4-FFF2-40B4-BE49-F238E27FC236}">
+                <a16:creationId xmlns:a16="http://schemas.microsoft.com/office/drawing/2014/main" id="{13CEBAC3-E883-464A-8D74-BFE64FF93EC5}"/>
+              </a:ext>
+            </a:extLst>
+          </p:cNvPr>
+          <p:cNvCxnSpPr>
+            <a:cxnSpLocks/>
+          </p:cNvCxnSpPr>
+          <p:nvPr/>
+        </p:nvCxnSpPr>
+        <p:spPr>
+          <a:xfrm flipH="1">
+            <a:off x="4485998" y="855107"/>
+            <a:ext cx="890864" cy="787479"/>
+          </a:xfrm>
+          <a:prstGeom prst="line">
+            <a:avLst/>
+          </a:prstGeom>
+          <a:ln w="28575">
+            <a:solidFill>
+              <a:srgbClr val="FFC000"/>
+            </a:solidFill>
+          </a:ln>
+        </p:spPr>
+        <p:style>
+          <a:lnRef idx="1">
+            <a:schemeClr val="accent1"/>
+          </a:lnRef>
+          <a:fillRef idx="0">
+            <a:schemeClr val="accent1"/>
+          </a:fillRef>
+          <a:effectRef idx="0">
+            <a:schemeClr val="accent1"/>
+          </a:effectRef>
+          <a:fontRef idx="minor">
+            <a:schemeClr val="tx1"/>
+          </a:fontRef>
+        </p:style>
+      </p:cxnSp>
+      <p:sp>
+        <p:nvSpPr>
+          <p:cNvPr id="20" name="TextBox 19">
+            <a:extLst>
+              <a:ext uri="{FF2B5EF4-FFF2-40B4-BE49-F238E27FC236}">
+                <a16:creationId xmlns:a16="http://schemas.microsoft.com/office/drawing/2014/main" id="{4F677F21-7E50-46EB-8F3D-61308EE55D5F}"/>
+              </a:ext>
+            </a:extLst>
+          </p:cNvPr>
+          <p:cNvSpPr txBox="1"/>
+          <p:nvPr/>
+        </p:nvSpPr>
+        <p:spPr>
+          <a:xfrm>
+            <a:off x="1543051" y="1647825"/>
+            <a:ext cx="2942948" cy="1563185"/>
+          </a:xfrm>
+          <a:prstGeom prst="rect">
+            <a:avLst/>
+          </a:prstGeom>
+          <a:noFill/>
+          <a:ln w="28575">
+            <a:solidFill>
+              <a:srgbClr val="FFC000"/>
+            </a:solidFill>
+          </a:ln>
+        </p:spPr>
+        <p:txBody>
+          <a:bodyPr wrap="square" rtlCol="0">
+            <a:spAutoFit/>
+          </a:bodyPr>
+          <a:lstStyle/>
+          <a:p>
+            <a:pPr algn="ctr"/>
+            <a:r>
+              <a:rPr lang="ru-RU" b="1" dirty="0">
                 <a:solidFill>
-                  <a:srgbClr val="E7AD58"/>
+                  <a:srgbClr val="FFC000"/>
                 </a:solidFill>
               </a:rPr>
-              <a:t>Выбор времени отправки</a:t>
-            </a:r>
-          </a:p>
+              <a:t>Темы</a:t>
+            </a:r>
+            <a:endParaRPr lang="en-US" b="1" dirty="0">
+              <a:solidFill>
+                <a:srgbClr val="FFC000"/>
+              </a:solidFill>
+            </a:endParaRPr>
+          </a:p>
+          <a:p>
+            <a:pPr algn="ctr">
+              <a:lnSpc>
+                <a:spcPct val="150000"/>
+              </a:lnSpc>
+            </a:pPr>
+            <a:r>
+              <a:rPr lang="ru-RU" dirty="0"/>
+              <a:t>Перевод</a:t>
+            </a:r>
+          </a:p>
+          <a:p>
+            <a:pPr algn="ctr">
+              <a:lnSpc>
+                <a:spcPct val="150000"/>
+              </a:lnSpc>
+            </a:pPr>
+            <a:r>
+              <a:rPr lang="ru-RU" dirty="0"/>
+              <a:t>Определение времени</a:t>
+            </a:r>
+          </a:p>
+          <a:p>
+            <a:pPr algn="ctr">
+              <a:lnSpc>
+                <a:spcPct val="150000"/>
+              </a:lnSpc>
+            </a:pPr>
+            <a:r>
+              <a:rPr lang="ru-RU" dirty="0"/>
+              <a:t>Вставить нужное слово</a:t>
+            </a:r>
+          </a:p>
+        </p:txBody>
+      </p:sp>
+      <p:cxnSp>
+        <p:nvCxnSpPr>
+          <p:cNvPr id="21" name="Прямая соединительная линия 20">
+            <a:extLst>
+              <a:ext uri="{FF2B5EF4-FFF2-40B4-BE49-F238E27FC236}">
+                <a16:creationId xmlns:a16="http://schemas.microsoft.com/office/drawing/2014/main" id="{0E1836E4-2D2C-4082-B23A-C565B8DEB7C5}"/>
+              </a:ext>
+            </a:extLst>
+          </p:cNvPr>
+          <p:cNvCxnSpPr>
+            <a:cxnSpLocks/>
+          </p:cNvCxnSpPr>
+          <p:nvPr/>
+        </p:nvCxnSpPr>
+        <p:spPr>
+          <a:xfrm>
+            <a:off x="2897186" y="3211010"/>
+            <a:ext cx="0" cy="436344"/>
+          </a:xfrm>
+          <a:prstGeom prst="line">
+            <a:avLst/>
+          </a:prstGeom>
+          <a:ln w="28575">
+            <a:solidFill>
+              <a:srgbClr val="FFC000"/>
+            </a:solidFill>
+          </a:ln>
+        </p:spPr>
+        <p:style>
+          <a:lnRef idx="1">
+            <a:schemeClr val="accent1"/>
+          </a:lnRef>
+          <a:fillRef idx="0">
+            <a:schemeClr val="accent1"/>
+          </a:fillRef>
+          <a:effectRef idx="0">
+            <a:schemeClr val="accent1"/>
+          </a:effectRef>
+          <a:fontRef idx="minor">
+            <a:schemeClr val="tx1"/>
+          </a:fontRef>
+        </p:style>
+      </p:cxnSp>
+      <p:sp>
+        <p:nvSpPr>
+          <p:cNvPr id="22" name="TextBox 21">
+            <a:extLst>
+              <a:ext uri="{FF2B5EF4-FFF2-40B4-BE49-F238E27FC236}">
+                <a16:creationId xmlns:a16="http://schemas.microsoft.com/office/drawing/2014/main" id="{D0F9A897-38CA-4AC6-B9A2-5A68546722A4}"/>
+              </a:ext>
+            </a:extLst>
+          </p:cNvPr>
+          <p:cNvSpPr txBox="1"/>
+          <p:nvPr/>
+        </p:nvSpPr>
+        <p:spPr>
+          <a:xfrm>
+            <a:off x="1534455" y="3646991"/>
+            <a:ext cx="2725461" cy="1701684"/>
+          </a:xfrm>
+          <a:prstGeom prst="rect">
+            <a:avLst/>
+          </a:prstGeom>
+          <a:noFill/>
+          <a:ln w="28575">
+            <a:solidFill>
+              <a:srgbClr val="FFC000"/>
+            </a:solidFill>
+          </a:ln>
+        </p:spPr>
+        <p:txBody>
+          <a:bodyPr wrap="square" rtlCol="0">
+            <a:spAutoFit/>
+          </a:bodyPr>
+          <a:lstStyle/>
+          <a:p>
+            <a:pPr algn="ctr">
+              <a:lnSpc>
+                <a:spcPct val="150000"/>
+              </a:lnSpc>
+            </a:pPr>
+            <a:r>
+              <a:rPr lang="ru-RU" b="1" dirty="0">
+                <a:solidFill>
+                  <a:srgbClr val="FFC000"/>
+                </a:solidFill>
+              </a:rPr>
+              <a:t>Сложность</a:t>
+            </a:r>
+          </a:p>
+          <a:p>
+            <a:pPr algn="ctr">
+              <a:lnSpc>
+                <a:spcPct val="150000"/>
+              </a:lnSpc>
+            </a:pPr>
+            <a:r>
+              <a:rPr lang="ru-RU" dirty="0"/>
+              <a:t>Малая</a:t>
+            </a:r>
+          </a:p>
+          <a:p>
+            <a:pPr algn="ctr">
+              <a:lnSpc>
+                <a:spcPct val="150000"/>
+              </a:lnSpc>
+            </a:pPr>
+            <a:r>
+              <a:rPr lang="ru-RU" dirty="0"/>
+              <a:t>Средняя</a:t>
+            </a:r>
+          </a:p>
+          <a:p>
+            <a:pPr algn="ctr">
+              <a:lnSpc>
+                <a:spcPct val="150000"/>
+              </a:lnSpc>
+            </a:pPr>
+            <a:r>
+              <a:rPr lang="ru-RU" dirty="0"/>
+              <a:t>Высокая</a:t>
+            </a:r>
+          </a:p>
+        </p:txBody>
+      </p:sp>
+      <p:cxnSp>
+        <p:nvCxnSpPr>
+          <p:cNvPr id="25" name="Прямая соединительная линия 24">
+            <a:extLst>
+              <a:ext uri="{FF2B5EF4-FFF2-40B4-BE49-F238E27FC236}">
+                <a16:creationId xmlns:a16="http://schemas.microsoft.com/office/drawing/2014/main" id="{4E626183-5AA8-4BE5-9E6B-0DAEEE2276ED}"/>
+              </a:ext>
+            </a:extLst>
+          </p:cNvPr>
+          <p:cNvCxnSpPr>
+            <a:cxnSpLocks/>
+          </p:cNvCxnSpPr>
+          <p:nvPr/>
+        </p:nvCxnSpPr>
+        <p:spPr>
+          <a:xfrm>
+            <a:off x="4257800" y="4481010"/>
+            <a:ext cx="475469" cy="0"/>
+          </a:xfrm>
+          <a:prstGeom prst="line">
+            <a:avLst/>
+          </a:prstGeom>
+          <a:ln w="28575">
+            <a:solidFill>
+              <a:srgbClr val="FFC000"/>
+            </a:solidFill>
+          </a:ln>
+        </p:spPr>
+        <p:style>
+          <a:lnRef idx="1">
+            <a:schemeClr val="accent1"/>
+          </a:lnRef>
+          <a:fillRef idx="0">
+            <a:schemeClr val="accent1"/>
+          </a:fillRef>
+          <a:effectRef idx="0">
+            <a:schemeClr val="accent1"/>
+          </a:effectRef>
+          <a:fontRef idx="minor">
+            <a:schemeClr val="tx1"/>
+          </a:fontRef>
+        </p:style>
+      </p:cxnSp>
+      <p:cxnSp>
+        <p:nvCxnSpPr>
+          <p:cNvPr id="33" name="Прямая соединительная линия 32">
+            <a:extLst>
+              <a:ext uri="{FF2B5EF4-FFF2-40B4-BE49-F238E27FC236}">
+                <a16:creationId xmlns:a16="http://schemas.microsoft.com/office/drawing/2014/main" id="{97FFE938-BB70-4D00-9783-E30A7CFC449F}"/>
+              </a:ext>
+            </a:extLst>
+          </p:cNvPr>
+          <p:cNvCxnSpPr>
+            <a:cxnSpLocks/>
+          </p:cNvCxnSpPr>
+          <p:nvPr/>
+        </p:nvCxnSpPr>
+        <p:spPr>
+          <a:xfrm flipH="1" flipV="1">
+            <a:off x="4733267" y="4489444"/>
+            <a:ext cx="519906" cy="600273"/>
+          </a:xfrm>
+          <a:prstGeom prst="line">
+            <a:avLst/>
+          </a:prstGeom>
+          <a:ln w="28575">
+            <a:solidFill>
+              <a:srgbClr val="FFC000"/>
+            </a:solidFill>
+          </a:ln>
+        </p:spPr>
+        <p:style>
+          <a:lnRef idx="1">
+            <a:schemeClr val="accent1"/>
+          </a:lnRef>
+          <a:fillRef idx="0">
+            <a:schemeClr val="accent1"/>
+          </a:fillRef>
+          <a:effectRef idx="0">
+            <a:schemeClr val="accent1"/>
+          </a:effectRef>
+          <a:fontRef idx="minor">
+            <a:schemeClr val="tx1"/>
+          </a:fontRef>
+        </p:style>
+      </p:cxnSp>
+      <p:cxnSp>
+        <p:nvCxnSpPr>
+          <p:cNvPr id="31" name="Прямая соединительная линия 30">
+            <a:extLst>
+              <a:ext uri="{FF2B5EF4-FFF2-40B4-BE49-F238E27FC236}">
+                <a16:creationId xmlns:a16="http://schemas.microsoft.com/office/drawing/2014/main" id="{609DC511-AB4B-45BA-9DC6-6FC71193DC76}"/>
+              </a:ext>
+            </a:extLst>
+          </p:cNvPr>
+          <p:cNvCxnSpPr>
+            <a:cxnSpLocks/>
+          </p:cNvCxnSpPr>
+          <p:nvPr/>
+        </p:nvCxnSpPr>
+        <p:spPr>
+          <a:xfrm flipH="1">
+            <a:off x="4733268" y="4023360"/>
+            <a:ext cx="536765" cy="474473"/>
+          </a:xfrm>
+          <a:prstGeom prst="line">
+            <a:avLst/>
+          </a:prstGeom>
+          <a:ln w="28575">
+            <a:solidFill>
+              <a:srgbClr val="FFC000"/>
+            </a:solidFill>
+          </a:ln>
+        </p:spPr>
+        <p:style>
+          <a:lnRef idx="1">
+            <a:schemeClr val="accent1"/>
+          </a:lnRef>
+          <a:fillRef idx="0">
+            <a:schemeClr val="accent1"/>
+          </a:fillRef>
+          <a:effectRef idx="0">
+            <a:schemeClr val="accent1"/>
+          </a:effectRef>
+          <a:fontRef idx="minor">
+            <a:schemeClr val="tx1"/>
+          </a:fontRef>
+        </p:style>
+      </p:cxnSp>
+      <p:sp>
+        <p:nvSpPr>
+          <p:cNvPr id="28" name="Овал 27">
+            <a:extLst>
+              <a:ext uri="{FF2B5EF4-FFF2-40B4-BE49-F238E27FC236}">
+                <a16:creationId xmlns:a16="http://schemas.microsoft.com/office/drawing/2014/main" id="{199002D8-05DF-4553-BD08-A4D5AC3AA352}"/>
+              </a:ext>
+            </a:extLst>
+          </p:cNvPr>
+          <p:cNvSpPr/>
+          <p:nvPr/>
+        </p:nvSpPr>
+        <p:spPr>
+          <a:xfrm>
+            <a:off x="4690406" y="4438147"/>
+            <a:ext cx="85725" cy="85725"/>
+          </a:xfrm>
+          <a:prstGeom prst="ellipse">
+            <a:avLst/>
+          </a:prstGeom>
+          <a:solidFill>
+            <a:srgbClr val="E7AD58"/>
+          </a:solidFill>
+          <a:ln>
+            <a:solidFill>
+              <a:srgbClr val="FFC000"/>
+            </a:solidFill>
+          </a:ln>
+        </p:spPr>
+        <p:style>
+          <a:lnRef idx="2">
+            <a:schemeClr val="accent1">
+              <a:shade val="50000"/>
+            </a:schemeClr>
+          </a:lnRef>
+          <a:fillRef idx="1">
+            <a:schemeClr val="accent1"/>
+          </a:fillRef>
+          <a:effectRef idx="0">
+            <a:schemeClr val="accent1"/>
+          </a:effectRef>
+          <a:fontRef idx="minor">
+            <a:schemeClr val="lt1"/>
+          </a:fontRef>
+        </p:style>
+        <p:txBody>
+          <a:bodyPr rtlCol="0" anchor="ctr"/>
+          <a:lstStyle/>
           <a:p>
             <a:pPr algn="ctr"/>
+            <a:endParaRPr lang="ru-RU"/>
+          </a:p>
+        </p:txBody>
+      </p:sp>
+      <p:sp>
+        <p:nvSpPr>
+          <p:cNvPr id="36" name="TextBox 35">
+            <a:extLst>
+              <a:ext uri="{FF2B5EF4-FFF2-40B4-BE49-F238E27FC236}">
+                <a16:creationId xmlns:a16="http://schemas.microsoft.com/office/drawing/2014/main" id="{E5DB36DC-18AC-4EFE-9482-4304913B9223}"/>
+              </a:ext>
+            </a:extLst>
+          </p:cNvPr>
+          <p:cNvSpPr txBox="1"/>
+          <p:nvPr/>
+        </p:nvSpPr>
+        <p:spPr>
+          <a:xfrm>
+            <a:off x="5270033" y="3700194"/>
+            <a:ext cx="3515826" cy="646331"/>
+          </a:xfrm>
+          <a:prstGeom prst="rect">
+            <a:avLst/>
+          </a:prstGeom>
+          <a:noFill/>
+          <a:ln w="28575">
+            <a:solidFill>
+              <a:srgbClr val="FFC000"/>
+            </a:solidFill>
+          </a:ln>
+        </p:spPr>
+        <p:txBody>
+          <a:bodyPr wrap="square" rtlCol="0">
+            <a:spAutoFit/>
+          </a:bodyPr>
+          <a:lstStyle/>
+          <a:p>
+            <a:pPr algn="ctr"/>
             <a:r>
               <a:rPr lang="ru-RU" dirty="0"/>
-              <a:t>(не до конца реализовано)</a:t>
+              <a:t>Ответ </a:t>
+            </a:r>
+            <a:r>
+              <a:rPr lang="ru-RU" b="1" dirty="0">
+                <a:solidFill>
+                  <a:srgbClr val="FFC000"/>
+                </a:solidFill>
+              </a:rPr>
+              <a:t>правильный</a:t>
+            </a:r>
+            <a:r>
+              <a:rPr lang="en-US" dirty="0"/>
+              <a:t>.</a:t>
+            </a:r>
+          </a:p>
+          <a:p>
+            <a:pPr algn="ctr"/>
+            <a:r>
+              <a:rPr lang="ru-RU" dirty="0"/>
+              <a:t>Переход на главное меню</a:t>
+            </a:r>
+          </a:p>
+        </p:txBody>
+      </p:sp>
+      <p:sp>
+        <p:nvSpPr>
+          <p:cNvPr id="37" name="TextBox 36">
+            <a:extLst>
+              <a:ext uri="{FF2B5EF4-FFF2-40B4-BE49-F238E27FC236}">
+                <a16:creationId xmlns:a16="http://schemas.microsoft.com/office/drawing/2014/main" id="{29A5EA28-A2BD-4FFA-A1E3-58F3F0C30245}"/>
+              </a:ext>
+            </a:extLst>
+          </p:cNvPr>
+          <p:cNvSpPr txBox="1"/>
+          <p:nvPr/>
+        </p:nvSpPr>
+        <p:spPr>
+          <a:xfrm>
+            <a:off x="5253173" y="4628052"/>
+            <a:ext cx="3532686" cy="923330"/>
+          </a:xfrm>
+          <a:prstGeom prst="rect">
+            <a:avLst/>
+          </a:prstGeom>
+          <a:noFill/>
+          <a:ln w="28575">
+            <a:solidFill>
+              <a:srgbClr val="FFC000"/>
+            </a:solidFill>
+          </a:ln>
+        </p:spPr>
+        <p:txBody>
+          <a:bodyPr wrap="square" rtlCol="0">
+            <a:spAutoFit/>
+          </a:bodyPr>
+          <a:lstStyle/>
+          <a:p>
+            <a:pPr algn="ctr"/>
+            <a:r>
+              <a:rPr lang="ru-RU" dirty="0"/>
+              <a:t>Ответ </a:t>
+            </a:r>
+            <a:r>
+              <a:rPr lang="ru-RU" b="1" dirty="0">
+                <a:solidFill>
+                  <a:srgbClr val="FFC000"/>
+                </a:solidFill>
+              </a:rPr>
+              <a:t>неправильный</a:t>
+            </a:r>
+            <a:r>
+              <a:rPr lang="en-US" dirty="0"/>
+              <a:t>, </a:t>
+            </a:r>
+            <a:r>
+              <a:rPr lang="ru-RU" dirty="0"/>
+              <a:t>пишется правильный ответ</a:t>
+            </a:r>
+            <a:r>
+              <a:rPr lang="en-US" dirty="0"/>
+              <a:t>.</a:t>
+            </a:r>
+          </a:p>
+          <a:p>
+            <a:pPr algn="ctr"/>
+            <a:r>
+              <a:rPr lang="ru-RU" dirty="0"/>
+              <a:t>Переход на главное меню</a:t>
             </a:r>
           </a:p>
         </p:txBody>
@@ -6570,7 +7247,7 @@
     </p:spTree>
     <p:extLst>
       <p:ext uri="{BB962C8B-B14F-4D97-AF65-F5344CB8AC3E}">
-        <p14:creationId xmlns:p14="http://schemas.microsoft.com/office/powerpoint/2010/main" val="2556900413"/>
+        <p14:creationId xmlns:p14="http://schemas.microsoft.com/office/powerpoint/2010/main" val="4233161891"/>
       </p:ext>
     </p:extLst>
   </p:cSld>
@@ -6602,6 +7279,217 @@
           <p:cNvPr id="2" name="Заголовок 1">
             <a:extLst>
               <a:ext uri="{FF2B5EF4-FFF2-40B4-BE49-F238E27FC236}">
+                <a16:creationId xmlns:a16="http://schemas.microsoft.com/office/drawing/2014/main" id="{4267CBAD-DE84-4A4A-BA7C-BA8A16D49670}"/>
+              </a:ext>
+            </a:extLst>
+          </p:cNvPr>
+          <p:cNvSpPr>
+            <a:spLocks noGrp="1"/>
+          </p:cNvSpPr>
+          <p:nvPr>
+            <p:ph type="title"/>
+          </p:nvPr>
+        </p:nvSpPr>
+        <p:spPr/>
+        <p:txBody>
+          <a:bodyPr/>
+          <a:lstStyle/>
+          <a:p>
+            <a:pPr algn="ctr"/>
+            <a:r>
+              <a:rPr lang="ru-RU" dirty="0">
+                <a:solidFill>
+                  <a:srgbClr val="E7AD58"/>
+                </a:solidFill>
+              </a:rPr>
+              <a:t>Корректирование времени</a:t>
+            </a:r>
+          </a:p>
+        </p:txBody>
+      </p:sp>
+      <p:sp>
+        <p:nvSpPr>
+          <p:cNvPr id="3" name="Объект 2">
+            <a:extLst>
+              <a:ext uri="{FF2B5EF4-FFF2-40B4-BE49-F238E27FC236}">
+                <a16:creationId xmlns:a16="http://schemas.microsoft.com/office/drawing/2014/main" id="{81084A8E-4591-4823-8476-9D2A5AA4AFE8}"/>
+              </a:ext>
+            </a:extLst>
+          </p:cNvPr>
+          <p:cNvSpPr>
+            <a:spLocks noGrp="1"/>
+          </p:cNvSpPr>
+          <p:nvPr>
+            <p:ph idx="1"/>
+          </p:nvPr>
+        </p:nvSpPr>
+        <p:spPr/>
+        <p:txBody>
+          <a:bodyPr/>
+          <a:lstStyle/>
+          <a:p>
+            <a:r>
+              <a:rPr lang="ru-RU" dirty="0"/>
+              <a:t>Если пользователь решил</a:t>
+            </a:r>
+            <a:r>
+              <a:rPr lang="en-US" dirty="0"/>
+              <a:t>, </a:t>
+            </a:r>
+            <a:r>
+              <a:rPr lang="ru-RU" dirty="0"/>
+              <a:t>что он получать сообщения от бота (новые слова на английском языке)</a:t>
+            </a:r>
+            <a:r>
+              <a:rPr lang="en-US" dirty="0"/>
+              <a:t>, </a:t>
+            </a:r>
+            <a:r>
+              <a:rPr lang="ru-RU" dirty="0"/>
+              <a:t>то он может изменить это время благодаря широкому выбору</a:t>
+            </a:r>
+            <a:r>
+              <a:rPr lang="en-US" dirty="0"/>
+              <a:t>, </a:t>
+            </a:r>
+            <a:r>
+              <a:rPr lang="ru-RU" dirty="0"/>
+              <a:t>представленному ему ботом</a:t>
+            </a:r>
+            <a:r>
+              <a:rPr lang="en-US" dirty="0"/>
+              <a:t>.</a:t>
+            </a:r>
+          </a:p>
+          <a:p>
+            <a:pPr marL="0" indent="0">
+              <a:buNone/>
+            </a:pPr>
+            <a:r>
+              <a:rPr lang="ru-RU" dirty="0"/>
+              <a:t>	</a:t>
+            </a:r>
+          </a:p>
+        </p:txBody>
+      </p:sp>
+      <p:pic>
+        <p:nvPicPr>
+          <p:cNvPr id="11" name="Рисунок 10">
+            <a:extLst>
+              <a:ext uri="{FF2B5EF4-FFF2-40B4-BE49-F238E27FC236}">
+                <a16:creationId xmlns:a16="http://schemas.microsoft.com/office/drawing/2014/main" id="{3D5FD192-3225-4DA9-BAD8-4F4E4AA9769A}"/>
+              </a:ext>
+            </a:extLst>
+          </p:cNvPr>
+          <p:cNvPicPr>
+            <a:picLocks noChangeAspect="1"/>
+          </p:cNvPicPr>
+          <p:nvPr/>
+        </p:nvPicPr>
+        <p:blipFill rotWithShape="1">
+          <a:blip r:embed="rId2"/>
+          <a:srcRect b="2597"/>
+          <a:stretch/>
+        </p:blipFill>
+        <p:spPr>
+          <a:xfrm>
+            <a:off x="1723181" y="3189847"/>
+            <a:ext cx="7706801" cy="2514600"/>
+          </a:xfrm>
+          <a:prstGeom prst="rect">
+            <a:avLst/>
+          </a:prstGeom>
+          <a:effectLst>
+            <a:outerShdw blurRad="50800" dist="38100" dir="2700000" algn="tl" rotWithShape="0">
+              <a:prstClr val="black">
+                <a:alpha val="40000"/>
+              </a:prstClr>
+            </a:outerShdw>
+          </a:effectLst>
+        </p:spPr>
+      </p:pic>
+      <p:sp>
+        <p:nvSpPr>
+          <p:cNvPr id="12" name="TextBox 11">
+            <a:extLst>
+              <a:ext uri="{FF2B5EF4-FFF2-40B4-BE49-F238E27FC236}">
+                <a16:creationId xmlns:a16="http://schemas.microsoft.com/office/drawing/2014/main" id="{3B7F648D-74B8-4527-81F6-96895793535F}"/>
+              </a:ext>
+            </a:extLst>
+          </p:cNvPr>
+          <p:cNvSpPr txBox="1"/>
+          <p:nvPr/>
+        </p:nvSpPr>
+        <p:spPr>
+          <a:xfrm>
+            <a:off x="1495071" y="5704447"/>
+            <a:ext cx="7706801" cy="646331"/>
+          </a:xfrm>
+          <a:prstGeom prst="rect">
+            <a:avLst/>
+          </a:prstGeom>
+          <a:noFill/>
+        </p:spPr>
+        <p:txBody>
+          <a:bodyPr wrap="square" rtlCol="0">
+            <a:spAutoFit/>
+          </a:bodyPr>
+          <a:lstStyle/>
+          <a:p>
+            <a:pPr algn="ctr"/>
+            <a:r>
+              <a:rPr lang="ru-RU" dirty="0">
+                <a:solidFill>
+                  <a:srgbClr val="E7AD58"/>
+                </a:solidFill>
+              </a:rPr>
+              <a:t>Выбор времени отправки</a:t>
+            </a:r>
+          </a:p>
+          <a:p>
+            <a:pPr algn="ctr"/>
+            <a:r>
+              <a:rPr lang="ru-RU" dirty="0"/>
+              <a:t>(не до конца реализовано)</a:t>
+            </a:r>
+          </a:p>
+        </p:txBody>
+      </p:sp>
+    </p:spTree>
+    <p:extLst>
+      <p:ext uri="{BB962C8B-B14F-4D97-AF65-F5344CB8AC3E}">
+        <p14:creationId xmlns:p14="http://schemas.microsoft.com/office/powerpoint/2010/main" val="2556900413"/>
+      </p:ext>
+    </p:extLst>
+  </p:cSld>
+  <p:clrMapOvr>
+    <a:masterClrMapping/>
+  </p:clrMapOvr>
+</p:sld>
+</file>
+
+<file path=ppt/slides/slide5.xml><?xml version="1.0" encoding="utf-8"?>
+<p:sld xmlns:a="http://schemas.openxmlformats.org/drawingml/2006/main" xmlns:r="http://schemas.openxmlformats.org/officeDocument/2006/relationships" xmlns:p="http://schemas.openxmlformats.org/presentationml/2006/main">
+  <p:cSld>
+    <p:spTree>
+      <p:nvGrpSpPr>
+        <p:cNvPr id="1" name=""/>
+        <p:cNvGrpSpPr/>
+        <p:nvPr/>
+      </p:nvGrpSpPr>
+      <p:grpSpPr>
+        <a:xfrm>
+          <a:off x="0" y="0"/>
+          <a:ext cx="0" cy="0"/>
+          <a:chOff x="0" y="0"/>
+          <a:chExt cx="0" cy="0"/>
+        </a:xfrm>
+      </p:grpSpPr>
+      <p:sp>
+        <p:nvSpPr>
+          <p:cNvPr id="2" name="Заголовок 1">
+            <a:extLst>
+              <a:ext uri="{FF2B5EF4-FFF2-40B4-BE49-F238E27FC236}">
                 <a16:creationId xmlns:a16="http://schemas.microsoft.com/office/drawing/2014/main" id="{596985AB-80A4-4534-BEFF-E61F81519656}"/>
               </a:ext>
             </a:extLst>
@@ -6703,7 +7591,7 @@
 </p:sld>
 </file>
 
-<file path=ppt/slides/slide5.xml><?xml version="1.0" encoding="utf-8"?>
+<file path=ppt/slides/slide6.xml><?xml version="1.0" encoding="utf-8"?>
 <p:sld xmlns:a="http://schemas.openxmlformats.org/drawingml/2006/main" xmlns:r="http://schemas.openxmlformats.org/officeDocument/2006/relationships" xmlns:p="http://schemas.openxmlformats.org/presentationml/2006/main">
   <p:cSld>
     <p:spTree>
@@ -6835,7 +7723,7 @@
 </p:sld>
 </file>
 
-<file path=ppt/slides/slide6.xml><?xml version="1.0" encoding="utf-8"?>
+<file path=ppt/slides/slide7.xml><?xml version="1.0" encoding="utf-8"?>
 <p:sld xmlns:a="http://schemas.openxmlformats.org/drawingml/2006/main" xmlns:r="http://schemas.openxmlformats.org/officeDocument/2006/relationships" xmlns:p="http://schemas.openxmlformats.org/presentationml/2006/main">
   <p:cSld>
     <p:spTree>

--- a/docs/Telegram-бот.pptx
+++ b/docs/Telegram-бот.pptx
@@ -9,9 +9,12 @@
     <p:sldId id="257" r:id="rId3"/>
     <p:sldId id="262" r:id="rId4"/>
     <p:sldId id="258" r:id="rId5"/>
-    <p:sldId id="259" r:id="rId6"/>
-    <p:sldId id="260" r:id="rId7"/>
-    <p:sldId id="261" r:id="rId8"/>
+    <p:sldId id="263" r:id="rId6"/>
+    <p:sldId id="259" r:id="rId7"/>
+    <p:sldId id="260" r:id="rId8"/>
+    <p:sldId id="261" r:id="rId9"/>
+    <p:sldId id="264" r:id="rId10"/>
+    <p:sldId id="265" r:id="rId11"/>
   </p:sldIdLst>
   <p:sldSz cx="12192000" cy="6858000"/>
   <p:notesSz cx="6858000" cy="9144000"/>
@@ -6185,6 +6188,36 @@
 </p:sld>
 </file>
 
+<file path=ppt/slides/slide10.xml><?xml version="1.0" encoding="utf-8"?>
+<p:sld xmlns:a="http://schemas.openxmlformats.org/drawingml/2006/main" xmlns:r="http://schemas.openxmlformats.org/officeDocument/2006/relationships" xmlns:p="http://schemas.openxmlformats.org/presentationml/2006/main">
+  <p:cSld>
+    <p:spTree>
+      <p:nvGrpSpPr>
+        <p:cNvPr id="1" name=""/>
+        <p:cNvGrpSpPr/>
+        <p:nvPr/>
+      </p:nvGrpSpPr>
+      <p:grpSpPr>
+        <a:xfrm>
+          <a:off x="0" y="0"/>
+          <a:ext cx="0" cy="0"/>
+          <a:chOff x="0" y="0"/>
+          <a:chExt cx="0" cy="0"/>
+        </a:xfrm>
+      </p:grpSpPr>
+    </p:spTree>
+    <p:extLst>
+      <p:ext uri="{BB962C8B-B14F-4D97-AF65-F5344CB8AC3E}">
+        <p14:creationId xmlns:p14="http://schemas.microsoft.com/office/powerpoint/2010/main" val="1964959967"/>
+      </p:ext>
+    </p:extLst>
+  </p:cSld>
+  <p:clrMapOvr>
+    <a:masterClrMapping/>
+  </p:clrMapOvr>
+</p:sld>
+</file>
+
 <file path=ppt/slides/slide2.xml><?xml version="1.0" encoding="utf-8"?>
 <p:sld xmlns:a="http://schemas.openxmlformats.org/drawingml/2006/main" xmlns:r="http://schemas.openxmlformats.org/officeDocument/2006/relationships" xmlns:p="http://schemas.openxmlformats.org/presentationml/2006/main">
   <p:cSld>
@@ -7323,7 +7356,12 @@
             <p:ph idx="1"/>
           </p:nvPr>
         </p:nvSpPr>
-        <p:spPr/>
+        <p:spPr>
+          <a:xfrm>
+            <a:off x="1104293" y="1853248"/>
+            <a:ext cx="8946541" cy="4195481"/>
+          </a:xfrm>
+        </p:spPr>
         <p:txBody>
           <a:bodyPr/>
           <a:lstStyle/>
@@ -7368,89 +7406,6 @@
             <a:r>
               <a:rPr lang="ru-RU" dirty="0"/>
               <a:t>	</a:t>
-            </a:r>
-          </a:p>
-        </p:txBody>
-      </p:sp>
-      <p:pic>
-        <p:nvPicPr>
-          <p:cNvPr id="11" name="Рисунок 10">
-            <a:extLst>
-              <a:ext uri="{FF2B5EF4-FFF2-40B4-BE49-F238E27FC236}">
-                <a16:creationId xmlns:a16="http://schemas.microsoft.com/office/drawing/2014/main" id="{3D5FD192-3225-4DA9-BAD8-4F4E4AA9769A}"/>
-              </a:ext>
-            </a:extLst>
-          </p:cNvPr>
-          <p:cNvPicPr>
-            <a:picLocks noChangeAspect="1"/>
-          </p:cNvPicPr>
-          <p:nvPr/>
-        </p:nvPicPr>
-        <p:blipFill rotWithShape="1">
-          <a:blip r:embed="rId2"/>
-          <a:srcRect b="2597"/>
-          <a:stretch/>
-        </p:blipFill>
-        <p:spPr>
-          <a:xfrm>
-            <a:off x="1723181" y="3189847"/>
-            <a:ext cx="7706801" cy="2514600"/>
-          </a:xfrm>
-          <a:prstGeom prst="rect">
-            <a:avLst/>
-          </a:prstGeom>
-          <a:effectLst>
-            <a:outerShdw blurRad="50800" dist="38100" dir="2700000" algn="tl" rotWithShape="0">
-              <a:prstClr val="black">
-                <a:alpha val="40000"/>
-              </a:prstClr>
-            </a:outerShdw>
-          </a:effectLst>
-        </p:spPr>
-      </p:pic>
-      <p:sp>
-        <p:nvSpPr>
-          <p:cNvPr id="12" name="TextBox 11">
-            <a:extLst>
-              <a:ext uri="{FF2B5EF4-FFF2-40B4-BE49-F238E27FC236}">
-                <a16:creationId xmlns:a16="http://schemas.microsoft.com/office/drawing/2014/main" id="{3B7F648D-74B8-4527-81F6-96895793535F}"/>
-              </a:ext>
-            </a:extLst>
-          </p:cNvPr>
-          <p:cNvSpPr txBox="1"/>
-          <p:nvPr/>
-        </p:nvSpPr>
-        <p:spPr>
-          <a:xfrm>
-            <a:off x="1495071" y="5704447"/>
-            <a:ext cx="7706801" cy="646331"/>
-          </a:xfrm>
-          <a:prstGeom prst="rect">
-            <a:avLst/>
-          </a:prstGeom>
-          <a:noFill/>
-        </p:spPr>
-        <p:txBody>
-          <a:bodyPr wrap="square" rtlCol="0">
-            <a:spAutoFit/>
-          </a:bodyPr>
-          <a:lstStyle/>
-          <a:p>
-            <a:pPr algn="ctr"/>
-            <a:r>
-              <a:rPr lang="ru-RU" dirty="0">
-                <a:solidFill>
-                  <a:srgbClr val="E7AD58"/>
-                </a:solidFill>
-              </a:rPr>
-              <a:t>Выбор времени отправки</a:t>
-            </a:r>
-          </a:p>
-          <a:p>
-            <a:pPr algn="ctr"/>
-            <a:r>
-              <a:rPr lang="ru-RU" dirty="0"/>
-              <a:t>(не до конца реализовано)</a:t>
             </a:r>
           </a:p>
         </p:txBody>
@@ -7485,103 +7440,126 @@
           <a:chExt cx="0" cy="0"/>
         </a:xfrm>
       </p:grpSpPr>
-      <p:sp>
-        <p:nvSpPr>
-          <p:cNvPr id="2" name="Заголовок 1">
+      <p:pic>
+        <p:nvPicPr>
+          <p:cNvPr id="4" name="Объект 3">
             <a:extLst>
               <a:ext uri="{FF2B5EF4-FFF2-40B4-BE49-F238E27FC236}">
-                <a16:creationId xmlns:a16="http://schemas.microsoft.com/office/drawing/2014/main" id="{596985AB-80A4-4534-BEFF-E61F81519656}"/>
+                <a16:creationId xmlns:a16="http://schemas.microsoft.com/office/drawing/2014/main" id="{31AAAC17-E64D-45FF-8DC4-AF815E6E6DCB}"/>
               </a:ext>
             </a:extLst>
           </p:cNvPr>
-          <p:cNvSpPr>
-            <a:spLocks noGrp="1"/>
-          </p:cNvSpPr>
-          <p:nvPr>
-            <p:ph type="title"/>
-          </p:nvPr>
-        </p:nvSpPr>
-        <p:spPr/>
-        <p:txBody>
-          <a:bodyPr/>
+          <p:cNvPicPr>
+            <a:picLocks noGrp="1" noChangeAspect="1"/>
+          </p:cNvPicPr>
+          <p:nvPr>
+            <p:ph idx="1"/>
+          </p:nvPr>
+        </p:nvPicPr>
+        <p:blipFill rotWithShape="1">
+          <a:blip r:embed="rId2"/>
+          <a:srcRect t="3159" b="6300"/>
+          <a:stretch/>
+        </p:blipFill>
+        <p:spPr>
+          <a:xfrm>
+            <a:off x="3624533" y="698818"/>
+            <a:ext cx="2224725" cy="4476198"/>
+          </a:xfrm>
+          <a:prstGeom prst="rect">
+            <a:avLst/>
+          </a:prstGeom>
+          <a:effectLst>
+            <a:outerShdw blurRad="50800" dist="38100" dir="2700000" algn="tl" rotWithShape="0">
+              <a:prstClr val="black">
+                <a:alpha val="40000"/>
+              </a:prstClr>
+            </a:outerShdw>
+          </a:effectLst>
+        </p:spPr>
+      </p:pic>
+      <p:pic>
+        <p:nvPicPr>
+          <p:cNvPr id="6" name="Рисунок 5">
+            <a:extLst>
+              <a:ext uri="{FF2B5EF4-FFF2-40B4-BE49-F238E27FC236}">
+                <a16:creationId xmlns:a16="http://schemas.microsoft.com/office/drawing/2014/main" id="{D09D2953-A6FE-461A-8A03-646EFF75BEAC}"/>
+              </a:ext>
+            </a:extLst>
+          </p:cNvPr>
+          <p:cNvPicPr>
+            <a:picLocks noChangeAspect="1"/>
+          </p:cNvPicPr>
+          <p:nvPr/>
+        </p:nvPicPr>
+        <p:blipFill rotWithShape="1">
+          <a:blip r:embed="rId3"/>
+          <a:srcRect t="3633" b="5872"/>
+          <a:stretch/>
+        </p:blipFill>
+        <p:spPr>
+          <a:xfrm>
+            <a:off x="6342743" y="698818"/>
+            <a:ext cx="2225887" cy="4476198"/>
+          </a:xfrm>
+          <a:prstGeom prst="rect">
+            <a:avLst/>
+          </a:prstGeom>
+          <a:ln>
+            <a:noFill/>
+          </a:ln>
+          <a:effectLst>
+            <a:outerShdw blurRad="50800" dist="38100" dir="2700000" algn="tl" rotWithShape="0">
+              <a:prstClr val="black">
+                <a:alpha val="40000"/>
+              </a:prstClr>
+            </a:outerShdw>
+          </a:effectLst>
+        </p:spPr>
+      </p:pic>
+      <p:sp>
+        <p:nvSpPr>
+          <p:cNvPr id="7" name="TextBox 6">
+            <a:extLst>
+              <a:ext uri="{FF2B5EF4-FFF2-40B4-BE49-F238E27FC236}">
+                <a16:creationId xmlns:a16="http://schemas.microsoft.com/office/drawing/2014/main" id="{C1C89B90-D4F0-4E66-89AB-B06AA758C7D3}"/>
+              </a:ext>
+            </a:extLst>
+          </p:cNvPr>
+          <p:cNvSpPr txBox="1"/>
+          <p:nvPr/>
+        </p:nvSpPr>
+        <p:spPr>
+          <a:xfrm>
+            <a:off x="3624533" y="5473700"/>
+            <a:ext cx="4944098" cy="369332"/>
+          </a:xfrm>
+          <a:prstGeom prst="rect">
+            <a:avLst/>
+          </a:prstGeom>
+          <a:noFill/>
+        </p:spPr>
+        <p:txBody>
+          <a:bodyPr wrap="square" rtlCol="0">
+            <a:spAutoFit/>
+          </a:bodyPr>
           <a:lstStyle/>
           <a:p>
-            <a:pPr algn="ctr"/>
             <a:r>
               <a:rPr lang="ru-RU" dirty="0">
                 <a:solidFill>
                   <a:srgbClr val="E7AD58"/>
                 </a:solidFill>
               </a:rPr>
-              <a:t>Задания</a:t>
-            </a:r>
-          </a:p>
-        </p:txBody>
-      </p:sp>
-      <p:sp>
-        <p:nvSpPr>
-          <p:cNvPr id="3" name="Объект 2">
-            <a:extLst>
-              <a:ext uri="{FF2B5EF4-FFF2-40B4-BE49-F238E27FC236}">
-                <a16:creationId xmlns:a16="http://schemas.microsoft.com/office/drawing/2014/main" id="{90904DEA-B567-4CC1-BA41-23DB8D1A6857}"/>
-              </a:ext>
-            </a:extLst>
-          </p:cNvPr>
-          <p:cNvSpPr>
-            <a:spLocks noGrp="1"/>
-          </p:cNvSpPr>
-          <p:nvPr>
-            <p:ph idx="1"/>
-          </p:nvPr>
-        </p:nvSpPr>
-        <p:spPr/>
-        <p:txBody>
-          <a:bodyPr/>
-          <a:lstStyle/>
-          <a:p>
-            <a:r>
-              <a:rPr lang="ru-RU" dirty="0"/>
-              <a:t>Пользователь может проверить свои знания на специальных заданиях</a:t>
-            </a:r>
-            <a:r>
-              <a:rPr lang="en-US" dirty="0"/>
-              <a:t>. </a:t>
-            </a:r>
-            <a:r>
-              <a:rPr lang="ru-RU" dirty="0"/>
-              <a:t>Тип и сложность задания он выбирает самостоятельно</a:t>
-            </a:r>
-            <a:r>
-              <a:rPr lang="en-US" dirty="0"/>
-              <a:t>. </a:t>
-            </a:r>
-            <a:r>
-              <a:rPr lang="ru-RU" dirty="0"/>
-              <a:t>После краткой инструкции от бота пользователь должен написать ответ</a:t>
-            </a:r>
-            <a:r>
-              <a:rPr lang="en-US" dirty="0"/>
-              <a:t>. </a:t>
-            </a:r>
-            <a:r>
-              <a:rPr lang="ru-RU" dirty="0"/>
-              <a:t>Бот оценит это задание и предложит продолжить выполнения похожих заданий</a:t>
-            </a:r>
-            <a:r>
-              <a:rPr lang="en-US" dirty="0"/>
-              <a:t>.</a:t>
-            </a:r>
-            <a:endParaRPr lang="ru-RU" dirty="0"/>
-          </a:p>
-          <a:p>
-            <a:endParaRPr lang="ru-RU" dirty="0"/>
+              <a:t>Установка времени для генерации слов</a:t>
+            </a:r>
           </a:p>
         </p:txBody>
       </p:sp>
     </p:spTree>
     <p:extLst>
       <p:ext uri="{BB962C8B-B14F-4D97-AF65-F5344CB8AC3E}">
-        <p14:creationId xmlns:p14="http://schemas.microsoft.com/office/powerpoint/2010/main" val="861309060"/>
+        <p14:creationId xmlns:p14="http://schemas.microsoft.com/office/powerpoint/2010/main" val="2838381286"/>
       </p:ext>
     </p:extLst>
   </p:cSld>
@@ -7608,64 +7586,25 @@
           <a:chExt cx="0" cy="0"/>
         </a:xfrm>
       </p:grpSpPr>
-      <p:pic>
-        <p:nvPicPr>
-          <p:cNvPr id="4" name="Объект 3">
+      <p:sp>
+        <p:nvSpPr>
+          <p:cNvPr id="2" name="Заголовок 1">
             <a:extLst>
               <a:ext uri="{FF2B5EF4-FFF2-40B4-BE49-F238E27FC236}">
-                <a16:creationId xmlns:a16="http://schemas.microsoft.com/office/drawing/2014/main" id="{57526F93-AF38-4B72-8367-E2F710F914A2}"/>
+                <a16:creationId xmlns:a16="http://schemas.microsoft.com/office/drawing/2014/main" id="{596985AB-80A4-4534-BEFF-E61F81519656}"/>
               </a:ext>
             </a:extLst>
           </p:cNvPr>
-          <p:cNvPicPr>
-            <a:picLocks noGrp="1" noChangeAspect="1"/>
-          </p:cNvPicPr>
-          <p:nvPr>
-            <p:ph idx="1"/>
-          </p:nvPr>
-        </p:nvPicPr>
-        <p:blipFill>
-          <a:blip r:embed="rId2"/>
-          <a:stretch>
-            <a:fillRect/>
-          </a:stretch>
-        </p:blipFill>
-        <p:spPr>
-          <a:xfrm>
-            <a:off x="1756822" y="423613"/>
-            <a:ext cx="7754432" cy="3572374"/>
-          </a:xfrm>
-          <a:prstGeom prst="rect">
-            <a:avLst/>
-          </a:prstGeom>
-        </p:spPr>
-      </p:pic>
-      <p:sp>
-        <p:nvSpPr>
-          <p:cNvPr id="5" name="TextBox 4">
-            <a:extLst>
-              <a:ext uri="{FF2B5EF4-FFF2-40B4-BE49-F238E27FC236}">
-                <a16:creationId xmlns:a16="http://schemas.microsoft.com/office/drawing/2014/main" id="{9FED5498-BBFC-483A-BBCE-F2BF2F0D6B0E}"/>
-              </a:ext>
-            </a:extLst>
-          </p:cNvPr>
-          <p:cNvSpPr txBox="1"/>
-          <p:nvPr/>
-        </p:nvSpPr>
-        <p:spPr>
-          <a:xfrm>
-            <a:off x="1756822" y="5260797"/>
-            <a:ext cx="7754431" cy="369332"/>
-          </a:xfrm>
-          <a:prstGeom prst="rect">
-            <a:avLst/>
-          </a:prstGeom>
-          <a:noFill/>
-        </p:spPr>
-        <p:txBody>
-          <a:bodyPr wrap="square" rtlCol="0">
-            <a:spAutoFit/>
-          </a:bodyPr>
+          <p:cNvSpPr>
+            <a:spLocks noGrp="1"/>
+          </p:cNvSpPr>
+          <p:nvPr>
+            <p:ph type="title"/>
+          </p:nvPr>
+        </p:nvSpPr>
+        <p:spPr/>
+        <p:txBody>
+          <a:bodyPr/>
           <a:lstStyle/>
           <a:p>
             <a:pPr algn="ctr"/>
@@ -7675,45 +7614,75 @@
                   <a:srgbClr val="E7AD58"/>
                 </a:solidFill>
               </a:rPr>
-              <a:t>Выбор типа и сложности задания</a:t>
-            </a:r>
-          </a:p>
-        </p:txBody>
-      </p:sp>
-      <p:pic>
-        <p:nvPicPr>
-          <p:cNvPr id="7" name="Рисунок 6">
+              <a:t>Задания</a:t>
+            </a:r>
+          </a:p>
+        </p:txBody>
+      </p:sp>
+      <p:sp>
+        <p:nvSpPr>
+          <p:cNvPr id="3" name="Объект 2">
             <a:extLst>
               <a:ext uri="{FF2B5EF4-FFF2-40B4-BE49-F238E27FC236}">
-                <a16:creationId xmlns:a16="http://schemas.microsoft.com/office/drawing/2014/main" id="{D9564E1E-45EE-43C3-8251-9747E005412D}"/>
+                <a16:creationId xmlns:a16="http://schemas.microsoft.com/office/drawing/2014/main" id="{90904DEA-B567-4CC1-BA41-23DB8D1A6857}"/>
               </a:ext>
             </a:extLst>
           </p:cNvPr>
-          <p:cNvPicPr>
-            <a:picLocks noChangeAspect="1"/>
-          </p:cNvPicPr>
-          <p:nvPr/>
-        </p:nvPicPr>
-        <p:blipFill>
-          <a:blip r:embed="rId3"/>
-          <a:stretch>
-            <a:fillRect/>
-          </a:stretch>
-        </p:blipFill>
-        <p:spPr>
-          <a:xfrm>
-            <a:off x="1756822" y="4355794"/>
-            <a:ext cx="7792537" cy="914528"/>
-          </a:xfrm>
-          <a:prstGeom prst="rect">
-            <a:avLst/>
-          </a:prstGeom>
-        </p:spPr>
-      </p:pic>
+          <p:cNvSpPr>
+            <a:spLocks noGrp="1"/>
+          </p:cNvSpPr>
+          <p:nvPr>
+            <p:ph idx="1"/>
+          </p:nvPr>
+        </p:nvSpPr>
+        <p:spPr/>
+        <p:txBody>
+          <a:bodyPr/>
+          <a:lstStyle/>
+          <a:p>
+            <a:r>
+              <a:rPr lang="ru-RU" dirty="0"/>
+              <a:t>Пользователь может проверить свои знания на специальных заданиях</a:t>
+            </a:r>
+            <a:r>
+              <a:rPr lang="en-US" dirty="0"/>
+              <a:t>. </a:t>
+            </a:r>
+            <a:r>
+              <a:rPr lang="ru-RU" dirty="0"/>
+              <a:t>Тип и сложность задания он выбирает самостоятельно</a:t>
+            </a:r>
+            <a:r>
+              <a:rPr lang="en-US" dirty="0"/>
+              <a:t>. </a:t>
+            </a:r>
+            <a:r>
+              <a:rPr lang="ru-RU" dirty="0"/>
+              <a:t>После краткой инструкции от бота пользователь должен написать ответ</a:t>
+            </a:r>
+            <a:r>
+              <a:rPr lang="en-US" dirty="0"/>
+              <a:t>. </a:t>
+            </a:r>
+            <a:r>
+              <a:rPr lang="ru-RU" dirty="0"/>
+              <a:t>Бот оценит это задание и предложит продолжить выполнения похожих заданий</a:t>
+            </a:r>
+            <a:r>
+              <a:rPr lang="en-US" dirty="0"/>
+              <a:t>.</a:t>
+            </a:r>
+            <a:endParaRPr lang="ru-RU" dirty="0"/>
+          </a:p>
+          <a:p>
+            <a:endParaRPr lang="ru-RU" dirty="0"/>
+          </a:p>
+        </p:txBody>
+      </p:sp>
     </p:spTree>
     <p:extLst>
       <p:ext uri="{BB962C8B-B14F-4D97-AF65-F5344CB8AC3E}">
-        <p14:creationId xmlns:p14="http://schemas.microsoft.com/office/powerpoint/2010/main" val="1808018883"/>
+        <p14:creationId xmlns:p14="http://schemas.microsoft.com/office/powerpoint/2010/main" val="861309060"/>
       </p:ext>
     </p:extLst>
   </p:cSld>
@@ -7742,6 +7711,148 @@
       </p:grpSpPr>
       <p:sp>
         <p:nvSpPr>
+          <p:cNvPr id="5" name="TextBox 4">
+            <a:extLst>
+              <a:ext uri="{FF2B5EF4-FFF2-40B4-BE49-F238E27FC236}">
+                <a16:creationId xmlns:a16="http://schemas.microsoft.com/office/drawing/2014/main" id="{9FED5498-BBFC-483A-BBCE-F2BF2F0D6B0E}"/>
+              </a:ext>
+            </a:extLst>
+          </p:cNvPr>
+          <p:cNvSpPr txBox="1"/>
+          <p:nvPr/>
+        </p:nvSpPr>
+        <p:spPr>
+          <a:xfrm>
+            <a:off x="3494932" y="5260797"/>
+            <a:ext cx="5202137" cy="369332"/>
+          </a:xfrm>
+          <a:prstGeom prst="rect">
+            <a:avLst/>
+          </a:prstGeom>
+          <a:noFill/>
+        </p:spPr>
+        <p:txBody>
+          <a:bodyPr wrap="square" rtlCol="0">
+            <a:spAutoFit/>
+          </a:bodyPr>
+          <a:lstStyle/>
+          <a:p>
+            <a:pPr algn="ctr"/>
+            <a:r>
+              <a:rPr lang="ru-RU" dirty="0">
+                <a:solidFill>
+                  <a:srgbClr val="E7AD58"/>
+                </a:solidFill>
+              </a:rPr>
+              <a:t>Выбор типа и сложности задания</a:t>
+            </a:r>
+          </a:p>
+        </p:txBody>
+      </p:sp>
+      <p:pic>
+        <p:nvPicPr>
+          <p:cNvPr id="8" name="Рисунок 7">
+            <a:extLst>
+              <a:ext uri="{FF2B5EF4-FFF2-40B4-BE49-F238E27FC236}">
+                <a16:creationId xmlns:a16="http://schemas.microsoft.com/office/drawing/2014/main" id="{4CBFAE40-5908-4D32-AC48-A057404B3CAD}"/>
+              </a:ext>
+            </a:extLst>
+          </p:cNvPr>
+          <p:cNvPicPr>
+            <a:picLocks noChangeAspect="1"/>
+          </p:cNvPicPr>
+          <p:nvPr/>
+        </p:nvPicPr>
+        <p:blipFill rotWithShape="1">
+          <a:blip r:embed="rId2"/>
+          <a:srcRect t="3087" b="6172"/>
+          <a:stretch/>
+        </p:blipFill>
+        <p:spPr>
+          <a:xfrm>
+            <a:off x="3494932" y="475600"/>
+            <a:ext cx="2224725" cy="4486071"/>
+          </a:xfrm>
+          <a:prstGeom prst="rect">
+            <a:avLst/>
+          </a:prstGeom>
+          <a:effectLst>
+            <a:outerShdw blurRad="50800" dist="38100" dir="2700000" algn="tl" rotWithShape="0">
+              <a:prstClr val="black">
+                <a:alpha val="40000"/>
+              </a:prstClr>
+            </a:outerShdw>
+          </a:effectLst>
+        </p:spPr>
+      </p:pic>
+      <p:pic>
+        <p:nvPicPr>
+          <p:cNvPr id="13" name="Рисунок 12">
+            <a:extLst>
+              <a:ext uri="{FF2B5EF4-FFF2-40B4-BE49-F238E27FC236}">
+                <a16:creationId xmlns:a16="http://schemas.microsoft.com/office/drawing/2014/main" id="{A2BE3076-6322-42EE-BA40-C1CF2CA8F453}"/>
+              </a:ext>
+            </a:extLst>
+          </p:cNvPr>
+          <p:cNvPicPr>
+            <a:picLocks noChangeAspect="1"/>
+          </p:cNvPicPr>
+          <p:nvPr/>
+        </p:nvPicPr>
+        <p:blipFill rotWithShape="1">
+          <a:blip r:embed="rId3"/>
+          <a:srcRect t="3333" b="5926"/>
+          <a:stretch/>
+        </p:blipFill>
+        <p:spPr>
+          <a:xfrm>
+            <a:off x="6472344" y="475600"/>
+            <a:ext cx="2224725" cy="4486071"/>
+          </a:xfrm>
+          <a:prstGeom prst="rect">
+            <a:avLst/>
+          </a:prstGeom>
+          <a:effectLst>
+            <a:outerShdw blurRad="50800" dist="38100" dir="2700000" algn="tl" rotWithShape="0">
+              <a:prstClr val="black">
+                <a:alpha val="40000"/>
+              </a:prstClr>
+            </a:outerShdw>
+          </a:effectLst>
+        </p:spPr>
+      </p:pic>
+    </p:spTree>
+    <p:extLst>
+      <p:ext uri="{BB962C8B-B14F-4D97-AF65-F5344CB8AC3E}">
+        <p14:creationId xmlns:p14="http://schemas.microsoft.com/office/powerpoint/2010/main" val="1808018883"/>
+      </p:ext>
+    </p:extLst>
+  </p:cSld>
+  <p:clrMapOvr>
+    <a:masterClrMapping/>
+  </p:clrMapOvr>
+</p:sld>
+</file>
+
+<file path=ppt/slides/slide8.xml><?xml version="1.0" encoding="utf-8"?>
+<p:sld xmlns:a="http://schemas.openxmlformats.org/drawingml/2006/main" xmlns:r="http://schemas.openxmlformats.org/officeDocument/2006/relationships" xmlns:p="http://schemas.openxmlformats.org/presentationml/2006/main">
+  <p:cSld>
+    <p:spTree>
+      <p:nvGrpSpPr>
+        <p:cNvPr id="1" name=""/>
+        <p:cNvGrpSpPr/>
+        <p:nvPr/>
+      </p:nvGrpSpPr>
+      <p:grpSpPr>
+        <a:xfrm>
+          <a:off x="0" y="0"/>
+          <a:ext cx="0" cy="0"/>
+          <a:chOff x="0" y="0"/>
+          <a:chExt cx="0" cy="0"/>
+        </a:xfrm>
+      </p:grpSpPr>
+      <p:sp>
+        <p:nvSpPr>
           <p:cNvPr id="2" name="Заголовок 1">
             <a:extLst>
               <a:ext uri="{FF2B5EF4-FFF2-40B4-BE49-F238E27FC236}">
@@ -7796,12 +7907,21 @@
           <a:p>
             <a:r>
               <a:rPr lang="ru-RU" dirty="0"/>
-              <a:t>Не </a:t>
-            </a:r>
-            <a:r>
-              <a:rPr lang="ru-RU" dirty="0" err="1"/>
-              <a:t>реализованно</a:t>
-            </a:r>
+              <a:t>Пользователь отправляет ответ боту на задание</a:t>
+            </a:r>
+            <a:r>
+              <a:rPr lang="en-US" dirty="0"/>
+              <a:t>, </a:t>
+            </a:r>
+            <a:r>
+              <a:rPr lang="ru-RU" dirty="0"/>
+              <a:t>после чего бот пишет результат (правильно или неправильно)</a:t>
+            </a:r>
+          </a:p>
+          <a:p>
+            <a:pPr marL="0" indent="0">
+              <a:buNone/>
+            </a:pPr>
             <a:endParaRPr lang="ru-RU" dirty="0"/>
           </a:p>
         </p:txBody>
@@ -7810,6 +7930,148 @@
     <p:extLst>
       <p:ext uri="{BB962C8B-B14F-4D97-AF65-F5344CB8AC3E}">
         <p14:creationId xmlns:p14="http://schemas.microsoft.com/office/powerpoint/2010/main" val="1417913649"/>
+      </p:ext>
+    </p:extLst>
+  </p:cSld>
+  <p:clrMapOvr>
+    <a:masterClrMapping/>
+  </p:clrMapOvr>
+</p:sld>
+</file>
+
+<file path=ppt/slides/slide9.xml><?xml version="1.0" encoding="utf-8"?>
+<p:sld xmlns:a="http://schemas.openxmlformats.org/drawingml/2006/main" xmlns:r="http://schemas.openxmlformats.org/officeDocument/2006/relationships" xmlns:p="http://schemas.openxmlformats.org/presentationml/2006/main">
+  <p:cSld>
+    <p:spTree>
+      <p:nvGrpSpPr>
+        <p:cNvPr id="1" name=""/>
+        <p:cNvGrpSpPr/>
+        <p:nvPr/>
+      </p:nvGrpSpPr>
+      <p:grpSpPr>
+        <a:xfrm>
+          <a:off x="0" y="0"/>
+          <a:ext cx="0" cy="0"/>
+          <a:chOff x="0" y="0"/>
+          <a:chExt cx="0" cy="0"/>
+        </a:xfrm>
+      </p:grpSpPr>
+      <p:pic>
+        <p:nvPicPr>
+          <p:cNvPr id="9" name="Рисунок 8">
+            <a:extLst>
+              <a:ext uri="{FF2B5EF4-FFF2-40B4-BE49-F238E27FC236}">
+                <a16:creationId xmlns:a16="http://schemas.microsoft.com/office/drawing/2014/main" id="{4AA23A43-94FF-4C6A-A88E-1A67BEE19D1F}"/>
+              </a:ext>
+            </a:extLst>
+          </p:cNvPr>
+          <p:cNvPicPr>
+            <a:picLocks noChangeAspect="1"/>
+          </p:cNvPicPr>
+          <p:nvPr/>
+        </p:nvPicPr>
+        <p:blipFill rotWithShape="1">
+          <a:blip r:embed="rId2"/>
+          <a:srcRect t="3333" b="6915"/>
+          <a:stretch/>
+        </p:blipFill>
+        <p:spPr>
+          <a:xfrm>
+            <a:off x="3458209" y="636925"/>
+            <a:ext cx="2224725" cy="4437242"/>
+          </a:xfrm>
+          <a:prstGeom prst="rect">
+            <a:avLst/>
+          </a:prstGeom>
+          <a:effectLst>
+            <a:outerShdw blurRad="50800" dist="38100" dir="2700000" algn="tl" rotWithShape="0">
+              <a:prstClr val="black">
+                <a:alpha val="40000"/>
+              </a:prstClr>
+            </a:outerShdw>
+          </a:effectLst>
+        </p:spPr>
+      </p:pic>
+      <p:pic>
+        <p:nvPicPr>
+          <p:cNvPr id="11" name="Рисунок 10">
+            <a:extLst>
+              <a:ext uri="{FF2B5EF4-FFF2-40B4-BE49-F238E27FC236}">
+                <a16:creationId xmlns:a16="http://schemas.microsoft.com/office/drawing/2014/main" id="{5BB5F1DE-9B8F-4210-B2F2-D90957E99EDC}"/>
+              </a:ext>
+            </a:extLst>
+          </p:cNvPr>
+          <p:cNvPicPr>
+            <a:picLocks noChangeAspect="1"/>
+          </p:cNvPicPr>
+          <p:nvPr/>
+        </p:nvPicPr>
+        <p:blipFill rotWithShape="1">
+          <a:blip r:embed="rId3"/>
+          <a:srcRect t="2836" b="6633"/>
+          <a:stretch/>
+        </p:blipFill>
+        <p:spPr>
+          <a:xfrm>
+            <a:off x="6509067" y="636925"/>
+            <a:ext cx="2205625" cy="4437242"/>
+          </a:xfrm>
+          <a:prstGeom prst="rect">
+            <a:avLst/>
+          </a:prstGeom>
+          <a:effectLst>
+            <a:outerShdw blurRad="50800" dist="38100" dir="2700000" algn="tl" rotWithShape="0">
+              <a:prstClr val="black">
+                <a:alpha val="40000"/>
+              </a:prstClr>
+            </a:outerShdw>
+          </a:effectLst>
+        </p:spPr>
+      </p:pic>
+      <p:sp>
+        <p:nvSpPr>
+          <p:cNvPr id="13" name="TextBox 12">
+            <a:extLst>
+              <a:ext uri="{FF2B5EF4-FFF2-40B4-BE49-F238E27FC236}">
+                <a16:creationId xmlns:a16="http://schemas.microsoft.com/office/drawing/2014/main" id="{F306D121-9B33-4157-9B4E-EAE133879D2F}"/>
+              </a:ext>
+            </a:extLst>
+          </p:cNvPr>
+          <p:cNvSpPr txBox="1"/>
+          <p:nvPr/>
+        </p:nvSpPr>
+        <p:spPr>
+          <a:xfrm>
+            <a:off x="3494932" y="5260797"/>
+            <a:ext cx="5202137" cy="369332"/>
+          </a:xfrm>
+          <a:prstGeom prst="rect">
+            <a:avLst/>
+          </a:prstGeom>
+          <a:noFill/>
+        </p:spPr>
+        <p:txBody>
+          <a:bodyPr wrap="square" rtlCol="0">
+            <a:spAutoFit/>
+          </a:bodyPr>
+          <a:lstStyle/>
+          <a:p>
+            <a:pPr algn="ctr"/>
+            <a:r>
+              <a:rPr lang="ru-RU" dirty="0">
+                <a:solidFill>
+                  <a:srgbClr val="E7AD58"/>
+                </a:solidFill>
+              </a:rPr>
+              <a:t>Отправка сообщений (ответов)</a:t>
+            </a:r>
+          </a:p>
+        </p:txBody>
+      </p:sp>
+    </p:spTree>
+    <p:extLst>
+      <p:ext uri="{BB962C8B-B14F-4D97-AF65-F5344CB8AC3E}">
+        <p14:creationId xmlns:p14="http://schemas.microsoft.com/office/powerpoint/2010/main" val="2352503435"/>
       </p:ext>
     </p:extLst>
   </p:cSld>
